--- a/10_Intro/WebProg_Intro.pptx
+++ b/10_Intro/WebProg_Intro.pptx
@@ -283,7 +283,7 @@
           <a:p>
             <a:fld id="{04527E70-C461-477F-BF52-CFCF7D612977}" type="datetimeFigureOut">
               <a:rPr lang="da-DK" smtClean="0"/>
-              <a:t>02-02-2019</a:t>
+              <a:t>06-02-2019</a:t>
             </a:fld>
             <a:endParaRPr lang="da-DK"/>
           </a:p>
@@ -453,7 +453,7 @@
           <a:p>
             <a:fld id="{04527E70-C461-477F-BF52-CFCF7D612977}" type="datetimeFigureOut">
               <a:rPr lang="da-DK" smtClean="0"/>
-              <a:t>02-02-2019</a:t>
+              <a:t>06-02-2019</a:t>
             </a:fld>
             <a:endParaRPr lang="da-DK"/>
           </a:p>
@@ -633,7 +633,7 @@
           <a:p>
             <a:fld id="{04527E70-C461-477F-BF52-CFCF7D612977}" type="datetimeFigureOut">
               <a:rPr lang="da-DK" smtClean="0"/>
-              <a:t>02-02-2019</a:t>
+              <a:t>06-02-2019</a:t>
             </a:fld>
             <a:endParaRPr lang="da-DK"/>
           </a:p>
@@ -825,7 +825,7 @@
           <a:p>
             <a:fld id="{9D4EB47F-FC16-4422-9F21-01E84072525E}" type="datetimeFigureOut">
               <a:rPr lang="en-GB" smtClean="0"/>
-              <a:t>02/02/2019</a:t>
+              <a:t>06/02/2019</a:t>
             </a:fld>
             <a:endParaRPr lang="en-GB"/>
           </a:p>
@@ -995,7 +995,7 @@
           <a:p>
             <a:fld id="{9D4EB47F-FC16-4422-9F21-01E84072525E}" type="datetimeFigureOut">
               <a:rPr lang="en-GB" smtClean="0"/>
-              <a:t>02/02/2019</a:t>
+              <a:t>06/02/2019</a:t>
             </a:fld>
             <a:endParaRPr lang="en-GB"/>
           </a:p>
@@ -1241,7 +1241,7 @@
           <a:p>
             <a:fld id="{9D4EB47F-FC16-4422-9F21-01E84072525E}" type="datetimeFigureOut">
               <a:rPr lang="en-GB" smtClean="0"/>
-              <a:t>02/02/2019</a:t>
+              <a:t>06/02/2019</a:t>
             </a:fld>
             <a:endParaRPr lang="en-GB"/>
           </a:p>
@@ -1473,7 +1473,7 @@
           <a:p>
             <a:fld id="{9D4EB47F-FC16-4422-9F21-01E84072525E}" type="datetimeFigureOut">
               <a:rPr lang="en-GB" smtClean="0"/>
-              <a:t>02/02/2019</a:t>
+              <a:t>06/02/2019</a:t>
             </a:fld>
             <a:endParaRPr lang="en-GB"/>
           </a:p>
@@ -1840,7 +1840,7 @@
           <a:p>
             <a:fld id="{9D4EB47F-FC16-4422-9F21-01E84072525E}" type="datetimeFigureOut">
               <a:rPr lang="en-GB" smtClean="0"/>
-              <a:t>02/02/2019</a:t>
+              <a:t>06/02/2019</a:t>
             </a:fld>
             <a:endParaRPr lang="en-GB"/>
           </a:p>
@@ -1958,7 +1958,7 @@
           <a:p>
             <a:fld id="{9D4EB47F-FC16-4422-9F21-01E84072525E}" type="datetimeFigureOut">
               <a:rPr lang="en-GB" smtClean="0"/>
-              <a:t>02/02/2019</a:t>
+              <a:t>06/02/2019</a:t>
             </a:fld>
             <a:endParaRPr lang="en-GB"/>
           </a:p>
@@ -2053,7 +2053,7 @@
           <a:p>
             <a:fld id="{9D4EB47F-FC16-4422-9F21-01E84072525E}" type="datetimeFigureOut">
               <a:rPr lang="en-GB" smtClean="0"/>
-              <a:t>02/02/2019</a:t>
+              <a:t>06/02/2019</a:t>
             </a:fld>
             <a:endParaRPr lang="en-GB"/>
           </a:p>
@@ -2330,7 +2330,7 @@
           <a:p>
             <a:fld id="{9D4EB47F-FC16-4422-9F21-01E84072525E}" type="datetimeFigureOut">
               <a:rPr lang="en-GB" smtClean="0"/>
-              <a:t>02/02/2019</a:t>
+              <a:t>06/02/2019</a:t>
             </a:fld>
             <a:endParaRPr lang="en-GB"/>
           </a:p>
@@ -2500,7 +2500,7 @@
           <a:p>
             <a:fld id="{04527E70-C461-477F-BF52-CFCF7D612977}" type="datetimeFigureOut">
               <a:rPr lang="da-DK" smtClean="0"/>
-              <a:t>02-02-2019</a:t>
+              <a:t>06-02-2019</a:t>
             </a:fld>
             <a:endParaRPr lang="da-DK"/>
           </a:p>
@@ -2753,7 +2753,7 @@
           <a:p>
             <a:fld id="{9D4EB47F-FC16-4422-9F21-01E84072525E}" type="datetimeFigureOut">
               <a:rPr lang="en-GB" smtClean="0"/>
-              <a:t>02/02/2019</a:t>
+              <a:t>06/02/2019</a:t>
             </a:fld>
             <a:endParaRPr lang="en-GB"/>
           </a:p>
@@ -2923,7 +2923,7 @@
           <a:p>
             <a:fld id="{9D4EB47F-FC16-4422-9F21-01E84072525E}" type="datetimeFigureOut">
               <a:rPr lang="en-GB" smtClean="0"/>
-              <a:t>02/02/2019</a:t>
+              <a:t>06/02/2019</a:t>
             </a:fld>
             <a:endParaRPr lang="en-GB"/>
           </a:p>
@@ -3103,7 +3103,7 @@
           <a:p>
             <a:fld id="{9D4EB47F-FC16-4422-9F21-01E84072525E}" type="datetimeFigureOut">
               <a:rPr lang="en-GB" smtClean="0"/>
-              <a:t>02/02/2019</a:t>
+              <a:t>06/02/2019</a:t>
             </a:fld>
             <a:endParaRPr lang="en-GB"/>
           </a:p>
@@ -3349,7 +3349,7 @@
           <a:p>
             <a:fld id="{04527E70-C461-477F-BF52-CFCF7D612977}" type="datetimeFigureOut">
               <a:rPr lang="da-DK" smtClean="0"/>
-              <a:t>02-02-2019</a:t>
+              <a:t>06-02-2019</a:t>
             </a:fld>
             <a:endParaRPr lang="da-DK"/>
           </a:p>
@@ -3581,7 +3581,7 @@
           <a:p>
             <a:fld id="{04527E70-C461-477F-BF52-CFCF7D612977}" type="datetimeFigureOut">
               <a:rPr lang="da-DK" smtClean="0"/>
-              <a:t>02-02-2019</a:t>
+              <a:t>06-02-2019</a:t>
             </a:fld>
             <a:endParaRPr lang="da-DK"/>
           </a:p>
@@ -3948,7 +3948,7 @@
           <a:p>
             <a:fld id="{04527E70-C461-477F-BF52-CFCF7D612977}" type="datetimeFigureOut">
               <a:rPr lang="da-DK" smtClean="0"/>
-              <a:t>02-02-2019</a:t>
+              <a:t>06-02-2019</a:t>
             </a:fld>
             <a:endParaRPr lang="da-DK"/>
           </a:p>
@@ -4066,7 +4066,7 @@
           <a:p>
             <a:fld id="{04527E70-C461-477F-BF52-CFCF7D612977}" type="datetimeFigureOut">
               <a:rPr lang="da-DK" smtClean="0"/>
-              <a:t>02-02-2019</a:t>
+              <a:t>06-02-2019</a:t>
             </a:fld>
             <a:endParaRPr lang="da-DK"/>
           </a:p>
@@ -4161,7 +4161,7 @@
           <a:p>
             <a:fld id="{04527E70-C461-477F-BF52-CFCF7D612977}" type="datetimeFigureOut">
               <a:rPr lang="da-DK" smtClean="0"/>
-              <a:t>02-02-2019</a:t>
+              <a:t>06-02-2019</a:t>
             </a:fld>
             <a:endParaRPr lang="da-DK"/>
           </a:p>
@@ -4438,7 +4438,7 @@
           <a:p>
             <a:fld id="{04527E70-C461-477F-BF52-CFCF7D612977}" type="datetimeFigureOut">
               <a:rPr lang="da-DK" smtClean="0"/>
-              <a:t>02-02-2019</a:t>
+              <a:t>06-02-2019</a:t>
             </a:fld>
             <a:endParaRPr lang="da-DK"/>
           </a:p>
@@ -4691,7 +4691,7 @@
           <a:p>
             <a:fld id="{04527E70-C461-477F-BF52-CFCF7D612977}" type="datetimeFigureOut">
               <a:rPr lang="da-DK" smtClean="0"/>
-              <a:t>02-02-2019</a:t>
+              <a:t>06-02-2019</a:t>
             </a:fld>
             <a:endParaRPr lang="da-DK"/>
           </a:p>
@@ -4904,7 +4904,7 @@
           <a:p>
             <a:fld id="{04527E70-C461-477F-BF52-CFCF7D612977}" type="datetimeFigureOut">
               <a:rPr lang="da-DK" smtClean="0"/>
-              <a:t>02-02-2019</a:t>
+              <a:t>06-02-2019</a:t>
             </a:fld>
             <a:endParaRPr lang="da-DK"/>
           </a:p>
@@ -5444,7 +5444,7 @@
           <a:p>
             <a:fld id="{9D4EB47F-FC16-4422-9F21-01E84072525E}" type="datetimeFigureOut">
               <a:rPr lang="en-GB" smtClean="0"/>
-              <a:t>02/02/2019</a:t>
+              <a:t>06/02/2019</a:t>
             </a:fld>
             <a:endParaRPr lang="en-GB"/>
           </a:p>
@@ -5873,11 +5873,7 @@
           <a:p>
             <a:r>
               <a:rPr lang="da-DK" sz="9600" b="1" smtClean="0"/>
-              <a:t>Web </a:t>
-            </a:r>
-            <a:r>
-              <a:rPr lang="da-DK" sz="9600" b="1" smtClean="0"/>
-              <a:t>Programming</a:t>
+              <a:t>Web Programming</a:t>
             </a:r>
             <a:endParaRPr lang="da-DK" sz="9600" b="1"/>
           </a:p>
@@ -5994,7 +5990,7 @@
           <p:nvPr>
             <p:extLst>
               <p:ext uri="{D42A27DB-BD31-4B8C-83A1-F6EECF244321}">
-                <p14:modId xmlns:p14="http://schemas.microsoft.com/office/powerpoint/2010/main" val="3889401954"/>
+                <p14:modId xmlns:p14="http://schemas.microsoft.com/office/powerpoint/2010/main" val="2194649364"/>
               </p:ext>
             </p:extLst>
           </p:nvPr>
@@ -6194,7 +6190,7 @@
                     <a:p>
                       <a:r>
                         <a:rPr lang="da-DK" baseline="0" smtClean="0"/>
-                        <a:t>Server-side Tech</a:t>
+                        <a:t>Back-End Technology</a:t>
                       </a:r>
                       <a:endParaRPr lang="da-DK"/>
                     </a:p>
@@ -6392,7 +6388,7 @@
                       </a:pPr>
                       <a:r>
                         <a:rPr lang="da-DK" smtClean="0"/>
-                        <a:t>12+13</a:t>
+                        <a:t>12+13+14</a:t>
                       </a:r>
                     </a:p>
                   </a:txBody>
@@ -6442,55 +6438,6 @@
                     <a:p>
                       <a:r>
                         <a:rPr lang="da-DK" smtClean="0"/>
-                        <a:t>Mandatory Assignment</a:t>
-                      </a:r>
-                      <a:endParaRPr lang="da-DK"/>
-                    </a:p>
-                  </a:txBody>
-                  <a:tcPr/>
-                </a:tc>
-                <a:tc>
-                  <a:txBody>
-                    <a:bodyPr/>
-                    <a:lstStyle/>
-                    <a:p>
-                      <a:r>
-                        <a:rPr lang="da-DK" smtClean="0"/>
-                        <a:t>14</a:t>
-                      </a:r>
-                      <a:endParaRPr lang="da-DK"/>
-                    </a:p>
-                  </a:txBody>
-                  <a:tcPr/>
-                </a:tc>
-                <a:tc>
-                  <a:txBody>
-                    <a:bodyPr/>
-                    <a:lstStyle/>
-                    <a:p>
-                      <a:r>
-                        <a:rPr lang="da-DK" i="1" smtClean="0"/>
-                        <a:t>Work on assignment during class</a:t>
-                      </a:r>
-                      <a:endParaRPr lang="da-DK" i="1"/>
-                    </a:p>
-                  </a:txBody>
-                  <a:tcPr/>
-                </a:tc>
-                <a:extLst>
-                  <a:ext uri="{0D108BD9-81ED-4DB2-BD59-A6C34878D82A}">
-                    <a16:rowId xmlns:a16="http://schemas.microsoft.com/office/drawing/2014/main" val="2517879993"/>
-                  </a:ext>
-                </a:extLst>
-              </a:tr>
-              <a:tr h="370840">
-                <a:tc>
-                  <a:txBody>
-                    <a:bodyPr/>
-                    <a:lstStyle/>
-                    <a:p>
-                      <a:r>
-                        <a:rPr lang="da-DK" smtClean="0"/>
                         <a:t>Full-Stack</a:t>
                       </a:r>
                       <a:endParaRPr lang="da-DK"/>
@@ -6528,7 +6475,56 @@
                 </a:tc>
                 <a:extLst>
                   <a:ext uri="{0D108BD9-81ED-4DB2-BD59-A6C34878D82A}">
-                    <a16:rowId xmlns:a16="http://schemas.microsoft.com/office/drawing/2014/main" val="1148401112"/>
+                    <a16:rowId xmlns:a16="http://schemas.microsoft.com/office/drawing/2014/main" val="2931001915"/>
+                  </a:ext>
+                </a:extLst>
+              </a:tr>
+              <a:tr h="370840">
+                <a:tc>
+                  <a:txBody>
+                    <a:bodyPr/>
+                    <a:lstStyle/>
+                    <a:p>
+                      <a:r>
+                        <a:rPr lang="da-DK" smtClean="0"/>
+                        <a:t>Mandatory Assignment</a:t>
+                      </a:r>
+                      <a:endParaRPr lang="da-DK"/>
+                    </a:p>
+                  </a:txBody>
+                  <a:tcPr/>
+                </a:tc>
+                <a:tc>
+                  <a:txBody>
+                    <a:bodyPr/>
+                    <a:lstStyle/>
+                    <a:p>
+                      <a:r>
+                        <a:rPr lang="da-DK" smtClean="0"/>
+                        <a:t>17</a:t>
+                      </a:r>
+                      <a:endParaRPr lang="da-DK"/>
+                    </a:p>
+                  </a:txBody>
+                  <a:tcPr/>
+                </a:tc>
+                <a:tc>
+                  <a:txBody>
+                    <a:bodyPr/>
+                    <a:lstStyle/>
+                    <a:p>
+                      <a:r>
+                        <a:rPr lang="da-DK" i="1" smtClean="0"/>
+                        <a:t>Work on assignment during class</a:t>
+                      </a:r>
+                      <a:endParaRPr lang="da-DK" i="1"/>
+                    </a:p>
+                  </a:txBody>
+                  <a:tcPr/>
+                </a:tc>
+                <a:extLst>
+                  <a:ext uri="{0D108BD9-81ED-4DB2-BD59-A6C34878D82A}">
+                    <a16:rowId xmlns:a16="http://schemas.microsoft.com/office/drawing/2014/main" val="10360618"/>
                   </a:ext>
                 </a:extLst>
               </a:tr>
@@ -15925,8 +15921,8 @@
         </p:nvSpPr>
         <p:spPr>
           <a:xfrm>
-            <a:off x="6604685" y="1690688"/>
-            <a:ext cx="4899455" cy="4351338"/>
+            <a:off x="6604684" y="1690688"/>
+            <a:ext cx="5084807" cy="4351338"/>
           </a:xfrm>
           <a:prstGeom prst="rect">
             <a:avLst/>
@@ -16136,7 +16132,19 @@
               <a:rPr lang="da-DK" smtClean="0">
                 <a:sym typeface="Wingdings" panose="05000000000000000000" pitchFamily="2" charset="2"/>
               </a:rPr>
-              <a:t>Be willing to engage in class disussions about solution propo-sals (this includes exposing your own suggestions for solutions)</a:t>
+              <a:t>Be willing to engage in class </a:t>
+            </a:r>
+            <a:r>
+              <a:rPr lang="da-DK" smtClean="0">
+                <a:sym typeface="Wingdings" panose="05000000000000000000" pitchFamily="2" charset="2"/>
+              </a:rPr>
+              <a:t>dis-cussions </a:t>
+            </a:r>
+            <a:r>
+              <a:rPr lang="da-DK" smtClean="0">
+                <a:sym typeface="Wingdings" panose="05000000000000000000" pitchFamily="2" charset="2"/>
+              </a:rPr>
+              <a:t>about solution propo-sals (this includes exposing your own suggestions for solutions)</a:t>
             </a:r>
             <a:endParaRPr lang="da-DK" smtClean="0"/>
           </a:p>
